--- a/exam2.pptx
+++ b/exam2.pptx
@@ -118,6 +118,11 @@
       </a:defRPr>
     </a:lvl9pPr>
   </p:defaultTextStyle>
+  <p:extLst>
+    <p:ext uri="{EFAFB233-063F-42B5-8137-9DF3F51BA10A}">
+      <p15:sldGuideLst xmlns:p15="http://schemas.microsoft.com/office/powerpoint/2012/main"/>
+    </p:ext>
+  </p:extLst>
 </p:presentation>
 </file>
 
@@ -4479,6 +4484,13 @@
             <a:r>
               <a:rPr lang="en-US" dirty="0"/>
               <a:t>~3 GB</a:t>
+            </a:r>
+          </a:p>
+          <a:p>
+            <a:pPr lvl="1"/>
+            <a:r>
+              <a:rPr lang="en-US" dirty="0"/>
+              <a:t>Made for processing text and fetching URL’s</a:t>
             </a:r>
           </a:p>
           <a:p>

--- a/exam2.pptx
+++ b/exam2.pptx
@@ -5,21 +5,27 @@
     <p:sldMasterId id="2147483648" r:id="rId1"/>
   </p:sldMasterIdLst>
   <p:notesMasterIdLst>
-    <p:notesMasterId r:id="rId14"/>
+    <p:notesMasterId r:id="rId20"/>
   </p:notesMasterIdLst>
   <p:sldIdLst>
     <p:sldId id="256" r:id="rId2"/>
     <p:sldId id="257" r:id="rId3"/>
-    <p:sldId id="258" r:id="rId4"/>
-    <p:sldId id="265" r:id="rId5"/>
-    <p:sldId id="262" r:id="rId6"/>
-    <p:sldId id="259" r:id="rId7"/>
-    <p:sldId id="266" r:id="rId8"/>
-    <p:sldId id="263" r:id="rId9"/>
-    <p:sldId id="260" r:id="rId10"/>
-    <p:sldId id="267" r:id="rId11"/>
-    <p:sldId id="264" r:id="rId12"/>
-    <p:sldId id="261" r:id="rId13"/>
+    <p:sldId id="268" r:id="rId4"/>
+    <p:sldId id="258" r:id="rId5"/>
+    <p:sldId id="265" r:id="rId6"/>
+    <p:sldId id="262" r:id="rId7"/>
+    <p:sldId id="259" r:id="rId8"/>
+    <p:sldId id="266" r:id="rId9"/>
+    <p:sldId id="263" r:id="rId10"/>
+    <p:sldId id="260" r:id="rId11"/>
+    <p:sldId id="267" r:id="rId12"/>
+    <p:sldId id="264" r:id="rId13"/>
+    <p:sldId id="269" r:id="rId14"/>
+    <p:sldId id="270" r:id="rId15"/>
+    <p:sldId id="271" r:id="rId16"/>
+    <p:sldId id="261" r:id="rId17"/>
+    <p:sldId id="272" r:id="rId18"/>
+    <p:sldId id="273" r:id="rId19"/>
   </p:sldIdLst>
   <p:sldSz cx="12192000" cy="6858000"/>
   <p:notesSz cx="6858000" cy="9144000"/>
@@ -208,7 +214,7 @@
           <a:p>
             <a:fld id="{541A43FA-FF2E-40EA-925C-A4CF5B1C2FB3}" type="datetimeFigureOut">
               <a:rPr lang="en-US" smtClean="0"/>
-              <a:t>4/10/2025</a:t>
+              <a:t>4/13/2025</a:t>
             </a:fld>
             <a:endParaRPr lang="en-US"/>
           </a:p>
@@ -540,7 +546,7 @@
           <a:p>
             <a:fld id="{B12A27BC-9839-4519-B54E-166ACADF2396}" type="slidenum">
               <a:rPr lang="en-US" smtClean="0"/>
-              <a:t>12</a:t>
+              <a:t>16</a:t>
             </a:fld>
             <a:endParaRPr lang="en-US"/>
           </a:p>
@@ -706,7 +712,7 @@
           <a:p>
             <a:fld id="{01464ED8-0F82-4D63-8ED7-51EB6A49AD18}" type="datetimeFigureOut">
               <a:rPr lang="en-US" smtClean="0"/>
-              <a:t>4/10/2025</a:t>
+              <a:t>4/13/2025</a:t>
             </a:fld>
             <a:endParaRPr lang="en-US"/>
           </a:p>
@@ -904,7 +910,7 @@
           <a:p>
             <a:fld id="{01464ED8-0F82-4D63-8ED7-51EB6A49AD18}" type="datetimeFigureOut">
               <a:rPr lang="en-US" smtClean="0"/>
-              <a:t>4/10/2025</a:t>
+              <a:t>4/13/2025</a:t>
             </a:fld>
             <a:endParaRPr lang="en-US"/>
           </a:p>
@@ -1112,7 +1118,7 @@
           <a:p>
             <a:fld id="{01464ED8-0F82-4D63-8ED7-51EB6A49AD18}" type="datetimeFigureOut">
               <a:rPr lang="en-US" smtClean="0"/>
-              <a:t>4/10/2025</a:t>
+              <a:t>4/13/2025</a:t>
             </a:fld>
             <a:endParaRPr lang="en-US"/>
           </a:p>
@@ -1310,7 +1316,7 @@
           <a:p>
             <a:fld id="{01464ED8-0F82-4D63-8ED7-51EB6A49AD18}" type="datetimeFigureOut">
               <a:rPr lang="en-US" smtClean="0"/>
-              <a:t>4/10/2025</a:t>
+              <a:t>4/13/2025</a:t>
             </a:fld>
             <a:endParaRPr lang="en-US"/>
           </a:p>
@@ -1585,7 +1591,7 @@
           <a:p>
             <a:fld id="{01464ED8-0F82-4D63-8ED7-51EB6A49AD18}" type="datetimeFigureOut">
               <a:rPr lang="en-US" smtClean="0"/>
-              <a:t>4/10/2025</a:t>
+              <a:t>4/13/2025</a:t>
             </a:fld>
             <a:endParaRPr lang="en-US"/>
           </a:p>
@@ -1850,7 +1856,7 @@
           <a:p>
             <a:fld id="{01464ED8-0F82-4D63-8ED7-51EB6A49AD18}" type="datetimeFigureOut">
               <a:rPr lang="en-US" smtClean="0"/>
-              <a:t>4/10/2025</a:t>
+              <a:t>4/13/2025</a:t>
             </a:fld>
             <a:endParaRPr lang="en-US"/>
           </a:p>
@@ -2262,7 +2268,7 @@
           <a:p>
             <a:fld id="{01464ED8-0F82-4D63-8ED7-51EB6A49AD18}" type="datetimeFigureOut">
               <a:rPr lang="en-US" smtClean="0"/>
-              <a:t>4/10/2025</a:t>
+              <a:t>4/13/2025</a:t>
             </a:fld>
             <a:endParaRPr lang="en-US"/>
           </a:p>
@@ -2403,7 +2409,7 @@
           <a:p>
             <a:fld id="{01464ED8-0F82-4D63-8ED7-51EB6A49AD18}" type="datetimeFigureOut">
               <a:rPr lang="en-US" smtClean="0"/>
-              <a:t>4/10/2025</a:t>
+              <a:t>4/13/2025</a:t>
             </a:fld>
             <a:endParaRPr lang="en-US"/>
           </a:p>
@@ -2516,7 +2522,7 @@
           <a:p>
             <a:fld id="{01464ED8-0F82-4D63-8ED7-51EB6A49AD18}" type="datetimeFigureOut">
               <a:rPr lang="en-US" smtClean="0"/>
-              <a:t>4/10/2025</a:t>
+              <a:t>4/13/2025</a:t>
             </a:fld>
             <a:endParaRPr lang="en-US"/>
           </a:p>
@@ -2827,7 +2833,7 @@
           <a:p>
             <a:fld id="{01464ED8-0F82-4D63-8ED7-51EB6A49AD18}" type="datetimeFigureOut">
               <a:rPr lang="en-US" smtClean="0"/>
-              <a:t>4/10/2025</a:t>
+              <a:t>4/13/2025</a:t>
             </a:fld>
             <a:endParaRPr lang="en-US"/>
           </a:p>
@@ -3115,7 +3121,7 @@
           <a:p>
             <a:fld id="{01464ED8-0F82-4D63-8ED7-51EB6A49AD18}" type="datetimeFigureOut">
               <a:rPr lang="en-US" smtClean="0"/>
-              <a:t>4/10/2025</a:t>
+              <a:t>4/13/2025</a:t>
             </a:fld>
             <a:endParaRPr lang="en-US"/>
           </a:p>
@@ -3356,7 +3362,7 @@
           <a:p>
             <a:fld id="{01464ED8-0F82-4D63-8ED7-51EB6A49AD18}" type="datetimeFigureOut">
               <a:rPr lang="en-US" smtClean="0"/>
-              <a:t>4/10/2025</a:t>
+              <a:t>4/13/2025</a:t>
             </a:fld>
             <a:endParaRPr lang="en-US"/>
           </a:p>
@@ -3853,6 +3859,133 @@
 <file path=ppt/slides/slide10.xml><?xml version="1.0" encoding="utf-8"?>
 <p:sld xmlns:a="http://schemas.openxmlformats.org/drawingml/2006/main" xmlns:r="http://schemas.openxmlformats.org/officeDocument/2006/relationships" xmlns:p="http://schemas.openxmlformats.org/presentationml/2006/main">
   <p:cSld>
+    <p:spTree>
+      <p:nvGrpSpPr>
+        <p:cNvPr id="1" name=""/>
+        <p:cNvGrpSpPr/>
+        <p:nvPr/>
+      </p:nvGrpSpPr>
+      <p:grpSpPr>
+        <a:xfrm>
+          <a:off x="0" y="0"/>
+          <a:ext cx="0" cy="0"/>
+          <a:chOff x="0" y="0"/>
+          <a:chExt cx="0" cy="0"/>
+        </a:xfrm>
+      </p:grpSpPr>
+      <p:sp>
+        <p:nvSpPr>
+          <p:cNvPr id="2" name="Title 1">
+            <a:extLst>
+              <a:ext uri="{FF2B5EF4-FFF2-40B4-BE49-F238E27FC236}">
+                <a16:creationId xmlns:a16="http://schemas.microsoft.com/office/drawing/2014/main" id="{1C152AAB-2299-6719-5B3E-47041CE0ACB7}"/>
+              </a:ext>
+            </a:extLst>
+          </p:cNvPr>
+          <p:cNvSpPr>
+            <a:spLocks noGrp="1"/>
+          </p:cNvSpPr>
+          <p:nvPr>
+            <p:ph type="title"/>
+          </p:nvPr>
+        </p:nvSpPr>
+        <p:spPr/>
+        <p:txBody>
+          <a:bodyPr/>
+          <a:lstStyle/>
+          <a:p>
+            <a:r>
+              <a:rPr lang="en-US" dirty="0"/>
+              <a:t>Reader-</a:t>
+            </a:r>
+            <a:r>
+              <a:rPr lang="en-US" dirty="0" err="1"/>
+              <a:t>lm</a:t>
+            </a:r>
+            <a:r>
+              <a:rPr lang="en-US" dirty="0"/>
+              <a:t> Results</a:t>
+            </a:r>
+          </a:p>
+        </p:txBody>
+      </p:sp>
+      <p:sp>
+        <p:nvSpPr>
+          <p:cNvPr id="3" name="Content Placeholder 2">
+            <a:extLst>
+              <a:ext uri="{FF2B5EF4-FFF2-40B4-BE49-F238E27FC236}">
+                <a16:creationId xmlns:a16="http://schemas.microsoft.com/office/drawing/2014/main" id="{A1DF3232-7C8E-C636-B824-2F91283AA183}"/>
+              </a:ext>
+            </a:extLst>
+          </p:cNvPr>
+          <p:cNvSpPr>
+            <a:spLocks noGrp="1"/>
+          </p:cNvSpPr>
+          <p:nvPr>
+            <p:ph idx="1"/>
+          </p:nvPr>
+        </p:nvSpPr>
+        <p:spPr/>
+        <p:txBody>
+          <a:bodyPr/>
+          <a:lstStyle/>
+          <a:p>
+            <a:r>
+              <a:rPr lang="en-US" dirty="0"/>
+              <a:t>Time</a:t>
+            </a:r>
+          </a:p>
+          <a:p>
+            <a:pPr lvl="1"/>
+            <a:r>
+              <a:rPr lang="en-US" dirty="0"/>
+              <a:t>~2-7 seconds</a:t>
+            </a:r>
+          </a:p>
+          <a:p>
+            <a:r>
+              <a:rPr lang="en-US" dirty="0"/>
+              <a:t>Avg CPU Usage</a:t>
+            </a:r>
+          </a:p>
+          <a:p>
+            <a:pPr lvl="1"/>
+            <a:r>
+              <a:rPr lang="en-US" dirty="0"/>
+              <a:t>~11-16%</a:t>
+            </a:r>
+          </a:p>
+          <a:p>
+            <a:r>
+              <a:rPr lang="en-US" dirty="0"/>
+              <a:t>Avg Memory Usage</a:t>
+            </a:r>
+          </a:p>
+          <a:p>
+            <a:pPr lvl="1"/>
+            <a:r>
+              <a:rPr lang="en-US" dirty="0"/>
+              <a:t>~50%</a:t>
+            </a:r>
+          </a:p>
+        </p:txBody>
+      </p:sp>
+    </p:spTree>
+    <p:extLst>
+      <p:ext uri="{BB962C8B-B14F-4D97-AF65-F5344CB8AC3E}">
+        <p14:creationId xmlns:p14="http://schemas.microsoft.com/office/powerpoint/2010/main" val="2693142678"/>
+      </p:ext>
+    </p:extLst>
+  </p:cSld>
+  <p:clrMapOvr>
+    <a:masterClrMapping/>
+  </p:clrMapOvr>
+</p:sld>
+</file>
+
+<file path=ppt/slides/slide11.xml><?xml version="1.0" encoding="utf-8"?>
+<p:sld xmlns:a="http://schemas.openxmlformats.org/drawingml/2006/main" xmlns:r="http://schemas.openxmlformats.org/officeDocument/2006/relationships" xmlns:p="http://schemas.openxmlformats.org/presentationml/2006/main">
+  <p:cSld>
     <p:bg>
       <p:bgPr>
         <a:solidFill>
@@ -4080,7 +4213,7 @@
 </p:sld>
 </file>
 
-<file path=ppt/slides/slide11.xml><?xml version="1.0" encoding="utf-8"?>
+<file path=ppt/slides/slide12.xml><?xml version="1.0" encoding="utf-8"?>
 <p:sld xmlns:a="http://schemas.openxmlformats.org/drawingml/2006/main" xmlns:r="http://schemas.openxmlformats.org/officeDocument/2006/relationships" xmlns:p="http://schemas.openxmlformats.org/presentationml/2006/main">
   <p:cSld>
     <p:spTree>
@@ -4220,7 +4353,7 @@
 </p:sld>
 </file>
 
-<file path=ppt/slides/slide12.xml><?xml version="1.0" encoding="utf-8"?>
+<file path=ppt/slides/slide13.xml><?xml version="1.0" encoding="utf-8"?>
 <p:sld xmlns:a="http://schemas.openxmlformats.org/drawingml/2006/main" xmlns:r="http://schemas.openxmlformats.org/officeDocument/2006/relationships" xmlns:p="http://schemas.openxmlformats.org/presentationml/2006/main">
   <p:cSld>
     <p:spTree>
@@ -4242,6 +4375,337 @@
           <p:cNvPr id="2" name="Title 1">
             <a:extLst>
               <a:ext uri="{FF2B5EF4-FFF2-40B4-BE49-F238E27FC236}">
+                <a16:creationId xmlns:a16="http://schemas.microsoft.com/office/drawing/2014/main" id="{3896C69A-65F9-F8D6-BAF1-8F7693D480B5}"/>
+              </a:ext>
+            </a:extLst>
+          </p:cNvPr>
+          <p:cNvSpPr>
+            <a:spLocks noGrp="1"/>
+          </p:cNvSpPr>
+          <p:nvPr>
+            <p:ph type="title"/>
+          </p:nvPr>
+        </p:nvSpPr>
+        <p:spPr/>
+        <p:txBody>
+          <a:bodyPr/>
+          <a:lstStyle/>
+          <a:p>
+            <a:r>
+              <a:rPr lang="en-US" dirty="0" err="1"/>
+              <a:t>DropAI</a:t>
+            </a:r>
+            <a:r>
+              <a:rPr lang="en-US" dirty="0"/>
+              <a:t> Results</a:t>
+            </a:r>
+          </a:p>
+        </p:txBody>
+      </p:sp>
+      <p:sp>
+        <p:nvSpPr>
+          <p:cNvPr id="3" name="Content Placeholder 2">
+            <a:extLst>
+              <a:ext uri="{FF2B5EF4-FFF2-40B4-BE49-F238E27FC236}">
+                <a16:creationId xmlns:a16="http://schemas.microsoft.com/office/drawing/2014/main" id="{A78126A4-1160-F816-77FA-E8A15BBAED5F}"/>
+              </a:ext>
+            </a:extLst>
+          </p:cNvPr>
+          <p:cNvSpPr>
+            <a:spLocks noGrp="1"/>
+          </p:cNvSpPr>
+          <p:nvPr>
+            <p:ph idx="1"/>
+          </p:nvPr>
+        </p:nvSpPr>
+        <p:spPr/>
+        <p:txBody>
+          <a:bodyPr/>
+          <a:lstStyle/>
+          <a:p>
+            <a:r>
+              <a:rPr lang="en-US" dirty="0"/>
+              <a:t>Time</a:t>
+            </a:r>
+          </a:p>
+          <a:p>
+            <a:pPr lvl="1"/>
+            <a:r>
+              <a:rPr lang="en-US" dirty="0"/>
+              <a:t> ~13-27 seconds</a:t>
+            </a:r>
+          </a:p>
+          <a:p>
+            <a:pPr lvl="1"/>
+            <a:r>
+              <a:rPr lang="en-US" dirty="0"/>
+              <a:t>Avg. CPU Usage ~2-5%</a:t>
+            </a:r>
+          </a:p>
+          <a:p>
+            <a:pPr lvl="1"/>
+            <a:r>
+              <a:rPr lang="en-US" dirty="0"/>
+              <a:t>Avg. Memory Usage: ~50%</a:t>
+            </a:r>
+          </a:p>
+        </p:txBody>
+      </p:sp>
+    </p:spTree>
+    <p:extLst>
+      <p:ext uri="{BB962C8B-B14F-4D97-AF65-F5344CB8AC3E}">
+        <p14:creationId xmlns:p14="http://schemas.microsoft.com/office/powerpoint/2010/main" val="2767072066"/>
+      </p:ext>
+    </p:extLst>
+  </p:cSld>
+  <p:clrMapOvr>
+    <a:masterClrMapping/>
+  </p:clrMapOvr>
+</p:sld>
+</file>
+
+<file path=ppt/slides/slide14.xml><?xml version="1.0" encoding="utf-8"?>
+<p:sld xmlns:a="http://schemas.openxmlformats.org/drawingml/2006/main" xmlns:r="http://schemas.openxmlformats.org/officeDocument/2006/relationships" xmlns:p="http://schemas.openxmlformats.org/presentationml/2006/main">
+  <p:cSld>
+    <p:spTree>
+      <p:nvGrpSpPr>
+        <p:cNvPr id="1" name=""/>
+        <p:cNvGrpSpPr/>
+        <p:nvPr/>
+      </p:nvGrpSpPr>
+      <p:grpSpPr>
+        <a:xfrm>
+          <a:off x="0" y="0"/>
+          <a:ext cx="0" cy="0"/>
+          <a:chOff x="0" y="0"/>
+          <a:chExt cx="0" cy="0"/>
+        </a:xfrm>
+      </p:grpSpPr>
+      <p:sp>
+        <p:nvSpPr>
+          <p:cNvPr id="2" name="Title 1">
+            <a:extLst>
+              <a:ext uri="{FF2B5EF4-FFF2-40B4-BE49-F238E27FC236}">
+                <a16:creationId xmlns:a16="http://schemas.microsoft.com/office/drawing/2014/main" id="{7BAC2468-1FDD-9AD6-B3E8-8E97640DE249}"/>
+              </a:ext>
+            </a:extLst>
+          </p:cNvPr>
+          <p:cNvSpPr>
+            <a:spLocks noGrp="1"/>
+          </p:cNvSpPr>
+          <p:nvPr>
+            <p:ph type="title"/>
+          </p:nvPr>
+        </p:nvSpPr>
+        <p:spPr/>
+        <p:txBody>
+          <a:bodyPr/>
+          <a:lstStyle/>
+          <a:p>
+            <a:endParaRPr lang="en-US"/>
+          </a:p>
+        </p:txBody>
+      </p:sp>
+      <p:pic>
+        <p:nvPicPr>
+          <p:cNvPr id="5" name="Content Placeholder 4" descr="A black background with many small colored lines&#10;&#10;AI-generated content may be incorrect.">
+            <a:extLst>
+              <a:ext uri="{FF2B5EF4-FFF2-40B4-BE49-F238E27FC236}">
+                <a16:creationId xmlns:a16="http://schemas.microsoft.com/office/drawing/2014/main" id="{ED706CB0-BAE1-786F-5A69-86A6572976D1}"/>
+              </a:ext>
+            </a:extLst>
+          </p:cNvPr>
+          <p:cNvPicPr>
+            <a:picLocks noGrp="1" noChangeAspect="1"/>
+          </p:cNvPicPr>
+          <p:nvPr>
+            <p:ph idx="1"/>
+          </p:nvPr>
+        </p:nvPicPr>
+        <p:blipFill>
+          <a:blip r:embed="rId2">
+            <a:extLst>
+              <a:ext uri="{28A0092B-C50C-407E-A947-70E740481C1C}">
+                <a14:useLocalDpi xmlns:a14="http://schemas.microsoft.com/office/drawing/2010/main" val="0"/>
+              </a:ext>
+            </a:extLst>
+          </a:blip>
+          <a:stretch>
+            <a:fillRect/>
+          </a:stretch>
+        </p:blipFill>
+        <p:spPr>
+          <a:xfrm>
+            <a:off x="0" y="0"/>
+            <a:ext cx="12218446" cy="6858000"/>
+          </a:xfrm>
+        </p:spPr>
+      </p:pic>
+    </p:spTree>
+    <p:extLst>
+      <p:ext uri="{BB962C8B-B14F-4D97-AF65-F5344CB8AC3E}">
+        <p14:creationId xmlns:p14="http://schemas.microsoft.com/office/powerpoint/2010/main" val="3400810117"/>
+      </p:ext>
+    </p:extLst>
+  </p:cSld>
+  <p:clrMapOvr>
+    <a:masterClrMapping/>
+  </p:clrMapOvr>
+</p:sld>
+</file>
+
+<file path=ppt/slides/slide15.xml><?xml version="1.0" encoding="utf-8"?>
+<p:sld xmlns:a="http://schemas.openxmlformats.org/drawingml/2006/main" xmlns:r="http://schemas.openxmlformats.org/officeDocument/2006/relationships" xmlns:p="http://schemas.openxmlformats.org/presentationml/2006/main">
+  <p:cSld>
+    <p:spTree>
+      <p:nvGrpSpPr>
+        <p:cNvPr id="1" name=""/>
+        <p:cNvGrpSpPr/>
+        <p:nvPr/>
+      </p:nvGrpSpPr>
+      <p:grpSpPr>
+        <a:xfrm>
+          <a:off x="0" y="0"/>
+          <a:ext cx="0" cy="0"/>
+          <a:chOff x="0" y="0"/>
+          <a:chExt cx="0" cy="0"/>
+        </a:xfrm>
+      </p:grpSpPr>
+      <p:sp>
+        <p:nvSpPr>
+          <p:cNvPr id="2" name="Title 1">
+            <a:extLst>
+              <a:ext uri="{FF2B5EF4-FFF2-40B4-BE49-F238E27FC236}">
+                <a16:creationId xmlns:a16="http://schemas.microsoft.com/office/drawing/2014/main" id="{244F7480-13F0-40B2-7671-7933753B2977}"/>
+              </a:ext>
+            </a:extLst>
+          </p:cNvPr>
+          <p:cNvSpPr>
+            <a:spLocks noGrp="1"/>
+          </p:cNvSpPr>
+          <p:nvPr>
+            <p:ph type="title"/>
+          </p:nvPr>
+        </p:nvSpPr>
+        <p:spPr/>
+        <p:txBody>
+          <a:bodyPr/>
+          <a:lstStyle/>
+          <a:p>
+            <a:r>
+              <a:rPr lang="en-US" dirty="0" err="1"/>
+              <a:t>DropAI</a:t>
+            </a:r>
+            <a:r>
+              <a:rPr lang="en-US" dirty="0"/>
+              <a:t> Results</a:t>
+            </a:r>
+          </a:p>
+        </p:txBody>
+      </p:sp>
+      <p:sp>
+        <p:nvSpPr>
+          <p:cNvPr id="3" name="Content Placeholder 2">
+            <a:extLst>
+              <a:ext uri="{FF2B5EF4-FFF2-40B4-BE49-F238E27FC236}">
+                <a16:creationId xmlns:a16="http://schemas.microsoft.com/office/drawing/2014/main" id="{9D33EA62-CC53-82B0-8DCD-78763D3DEEA8}"/>
+              </a:ext>
+            </a:extLst>
+          </p:cNvPr>
+          <p:cNvSpPr>
+            <a:spLocks noGrp="1"/>
+          </p:cNvSpPr>
+          <p:nvPr>
+            <p:ph idx="1"/>
+          </p:nvPr>
+        </p:nvSpPr>
+        <p:spPr/>
+        <p:txBody>
+          <a:bodyPr/>
+          <a:lstStyle/>
+          <a:p>
+            <a:r>
+              <a:rPr lang="en-US" dirty="0"/>
+              <a:t>Effective For Real World?</a:t>
+            </a:r>
+          </a:p>
+          <a:p>
+            <a:pPr lvl="1"/>
+            <a:r>
+              <a:rPr lang="en-US" dirty="0"/>
+              <a:t>Yes, as it is trained on Microsoft’s Orca dataset which is made for reasoning, research, and detailed explanations especially for visualizations</a:t>
+            </a:r>
+          </a:p>
+          <a:p>
+            <a:r>
+              <a:rPr lang="en-US" dirty="0"/>
+              <a:t>Quality</a:t>
+            </a:r>
+          </a:p>
+          <a:p>
+            <a:pPr lvl="1"/>
+            <a:r>
+              <a:rPr lang="en-US" dirty="0"/>
+              <a:t>Q&amp;A response provide brief descriptions with reasoning and multilingual is able to follow the prompt fully</a:t>
+            </a:r>
+          </a:p>
+          <a:p>
+            <a:r>
+              <a:rPr lang="en-US" dirty="0"/>
+              <a:t>Best Applications</a:t>
+            </a:r>
+          </a:p>
+          <a:p>
+            <a:pPr lvl="1"/>
+            <a:r>
+              <a:rPr lang="en-US" dirty="0"/>
+              <a:t>Q&amp;A, multilingual, and creative story</a:t>
+            </a:r>
+          </a:p>
+          <a:p>
+            <a:pPr lvl="1"/>
+            <a:r>
+              <a:rPr lang="en-US" dirty="0"/>
+              <a:t>It cannot produce simple code</a:t>
+            </a:r>
+          </a:p>
+        </p:txBody>
+      </p:sp>
+    </p:spTree>
+    <p:extLst>
+      <p:ext uri="{BB962C8B-B14F-4D97-AF65-F5344CB8AC3E}">
+        <p14:creationId xmlns:p14="http://schemas.microsoft.com/office/powerpoint/2010/main" val="3136814305"/>
+      </p:ext>
+    </p:extLst>
+  </p:cSld>
+  <p:clrMapOvr>
+    <a:masterClrMapping/>
+  </p:clrMapOvr>
+</p:sld>
+</file>
+
+<file path=ppt/slides/slide16.xml><?xml version="1.0" encoding="utf-8"?>
+<p:sld xmlns:a="http://schemas.openxmlformats.org/drawingml/2006/main" xmlns:r="http://schemas.openxmlformats.org/officeDocument/2006/relationships" xmlns:p="http://schemas.openxmlformats.org/presentationml/2006/main">
+  <p:cSld>
+    <p:spTree>
+      <p:nvGrpSpPr>
+        <p:cNvPr id="1" name=""/>
+        <p:cNvGrpSpPr/>
+        <p:nvPr/>
+      </p:nvGrpSpPr>
+      <p:grpSpPr>
+        <a:xfrm>
+          <a:off x="0" y="0"/>
+          <a:ext cx="0" cy="0"/>
+          <a:chOff x="0" y="0"/>
+          <a:chExt cx="0" cy="0"/>
+        </a:xfrm>
+      </p:grpSpPr>
+      <p:sp>
+        <p:nvSpPr>
+          <p:cNvPr id="2" name="Title 1">
+            <a:extLst>
+              <a:ext uri="{FF2B5EF4-FFF2-40B4-BE49-F238E27FC236}">
                 <a16:creationId xmlns:a16="http://schemas.microsoft.com/office/drawing/2014/main" id="{33F58563-9F66-79DA-DFCC-DBCE075A79B5}"/>
               </a:ext>
             </a:extLst>
@@ -4325,6 +4789,268 @@
     <p:extLst>
       <p:ext uri="{BB962C8B-B14F-4D97-AF65-F5344CB8AC3E}">
         <p14:creationId xmlns:p14="http://schemas.microsoft.com/office/powerpoint/2010/main" val="608479982"/>
+      </p:ext>
+    </p:extLst>
+  </p:cSld>
+  <p:clrMapOvr>
+    <a:masterClrMapping/>
+  </p:clrMapOvr>
+</p:sld>
+</file>
+
+<file path=ppt/slides/slide17.xml><?xml version="1.0" encoding="utf-8"?>
+<p:sld xmlns:a="http://schemas.openxmlformats.org/drawingml/2006/main" xmlns:r="http://schemas.openxmlformats.org/officeDocument/2006/relationships" xmlns:p="http://schemas.openxmlformats.org/presentationml/2006/main">
+  <p:cSld>
+    <p:spTree>
+      <p:nvGrpSpPr>
+        <p:cNvPr id="1" name=""/>
+        <p:cNvGrpSpPr/>
+        <p:nvPr/>
+      </p:nvGrpSpPr>
+      <p:grpSpPr>
+        <a:xfrm>
+          <a:off x="0" y="0"/>
+          <a:ext cx="0" cy="0"/>
+          <a:chOff x="0" y="0"/>
+          <a:chExt cx="0" cy="0"/>
+        </a:xfrm>
+      </p:grpSpPr>
+      <p:sp>
+        <p:nvSpPr>
+          <p:cNvPr id="2" name="Title 1">
+            <a:extLst>
+              <a:ext uri="{FF2B5EF4-FFF2-40B4-BE49-F238E27FC236}">
+                <a16:creationId xmlns:a16="http://schemas.microsoft.com/office/drawing/2014/main" id="{527712FF-BA98-9225-3A6D-DAEBA2665F37}"/>
+              </a:ext>
+            </a:extLst>
+          </p:cNvPr>
+          <p:cNvSpPr>
+            <a:spLocks noGrp="1"/>
+          </p:cNvSpPr>
+          <p:nvPr>
+            <p:ph type="title"/>
+          </p:nvPr>
+        </p:nvSpPr>
+        <p:spPr/>
+        <p:txBody>
+          <a:bodyPr/>
+          <a:lstStyle/>
+          <a:p>
+            <a:r>
+              <a:rPr lang="en-US" dirty="0"/>
+              <a:t>Summary</a:t>
+            </a:r>
+          </a:p>
+        </p:txBody>
+      </p:sp>
+      <p:sp>
+        <p:nvSpPr>
+          <p:cNvPr id="3" name="Content Placeholder 2">
+            <a:extLst>
+              <a:ext uri="{FF2B5EF4-FFF2-40B4-BE49-F238E27FC236}">
+                <a16:creationId xmlns:a16="http://schemas.microsoft.com/office/drawing/2014/main" id="{D4654F0C-DF24-EE87-E48C-0F47EDDBB1C5}"/>
+              </a:ext>
+            </a:extLst>
+          </p:cNvPr>
+          <p:cNvSpPr>
+            <a:spLocks noGrp="1"/>
+          </p:cNvSpPr>
+          <p:nvPr>
+            <p:ph idx="1"/>
+          </p:nvPr>
+        </p:nvSpPr>
+        <p:spPr/>
+        <p:txBody>
+          <a:bodyPr/>
+          <a:lstStyle/>
+          <a:p>
+            <a:r>
+              <a:rPr lang="en-US" dirty="0" err="1"/>
+              <a:t>DropAI</a:t>
+            </a:r>
+            <a:r>
+              <a:rPr lang="en-US" dirty="0"/>
+              <a:t> is the best choice for anything that involves research, multilingual needs, or detailed explanations for academia or corporations that need to conduct projects/research</a:t>
+            </a:r>
+          </a:p>
+        </p:txBody>
+      </p:sp>
+    </p:spTree>
+    <p:extLst>
+      <p:ext uri="{BB962C8B-B14F-4D97-AF65-F5344CB8AC3E}">
+        <p14:creationId xmlns:p14="http://schemas.microsoft.com/office/powerpoint/2010/main" val="1253408943"/>
+      </p:ext>
+    </p:extLst>
+  </p:cSld>
+  <p:clrMapOvr>
+    <a:masterClrMapping/>
+  </p:clrMapOvr>
+</p:sld>
+</file>
+
+<file path=ppt/slides/slide18.xml><?xml version="1.0" encoding="utf-8"?>
+<p:sld xmlns:a="http://schemas.openxmlformats.org/drawingml/2006/main" xmlns:r="http://schemas.openxmlformats.org/officeDocument/2006/relationships" xmlns:p="http://schemas.openxmlformats.org/presentationml/2006/main">
+  <p:cSld>
+    <p:spTree>
+      <p:nvGrpSpPr>
+        <p:cNvPr id="1" name=""/>
+        <p:cNvGrpSpPr/>
+        <p:nvPr/>
+      </p:nvGrpSpPr>
+      <p:grpSpPr>
+        <a:xfrm>
+          <a:off x="0" y="0"/>
+          <a:ext cx="0" cy="0"/>
+          <a:chOff x="0" y="0"/>
+          <a:chExt cx="0" cy="0"/>
+        </a:xfrm>
+      </p:grpSpPr>
+      <p:sp>
+        <p:nvSpPr>
+          <p:cNvPr id="2" name="Title 1">
+            <a:extLst>
+              <a:ext uri="{FF2B5EF4-FFF2-40B4-BE49-F238E27FC236}">
+                <a16:creationId xmlns:a16="http://schemas.microsoft.com/office/drawing/2014/main" id="{68AD9B08-7F24-35D2-AC35-4747FCA3DEE9}"/>
+              </a:ext>
+            </a:extLst>
+          </p:cNvPr>
+          <p:cNvSpPr>
+            <a:spLocks noGrp="1"/>
+          </p:cNvSpPr>
+          <p:nvPr>
+            <p:ph type="title"/>
+          </p:nvPr>
+        </p:nvSpPr>
+        <p:spPr/>
+        <p:txBody>
+          <a:bodyPr/>
+          <a:lstStyle/>
+          <a:p>
+            <a:r>
+              <a:rPr lang="en-US" dirty="0"/>
+              <a:t>Works Cited</a:t>
+            </a:r>
+          </a:p>
+        </p:txBody>
+      </p:sp>
+      <p:sp>
+        <p:nvSpPr>
+          <p:cNvPr id="3" name="Content Placeholder 2">
+            <a:extLst>
+              <a:ext uri="{FF2B5EF4-FFF2-40B4-BE49-F238E27FC236}">
+                <a16:creationId xmlns:a16="http://schemas.microsoft.com/office/drawing/2014/main" id="{E2B57214-1DEF-08B5-3013-8D9C5B4EC723}"/>
+              </a:ext>
+            </a:extLst>
+          </p:cNvPr>
+          <p:cNvSpPr>
+            <a:spLocks noGrp="1"/>
+          </p:cNvSpPr>
+          <p:nvPr>
+            <p:ph idx="1"/>
+          </p:nvPr>
+        </p:nvSpPr>
+        <p:spPr/>
+        <p:txBody>
+          <a:bodyPr/>
+          <a:lstStyle/>
+          <a:p>
+            <a:r>
+              <a:rPr lang="en-US" dirty="0">
+                <a:effectLst/>
+              </a:rPr>
+              <a:t>“</a:t>
+            </a:r>
+            <a:r>
+              <a:rPr lang="en-US" dirty="0" err="1">
+                <a:effectLst/>
+              </a:rPr>
+              <a:t>Ollama</a:t>
+            </a:r>
+            <a:r>
+              <a:rPr lang="en-US" dirty="0">
+                <a:effectLst/>
+              </a:rPr>
+              <a:t>/Docs/</a:t>
+            </a:r>
+            <a:r>
+              <a:rPr lang="en-US" dirty="0" err="1">
+                <a:effectLst/>
+              </a:rPr>
+              <a:t>Modelfile.Md</a:t>
+            </a:r>
+            <a:r>
+              <a:rPr lang="en-US" dirty="0">
+                <a:effectLst/>
+              </a:rPr>
+              <a:t> at Main · </a:t>
+            </a:r>
+            <a:r>
+              <a:rPr lang="en-US" dirty="0" err="1">
+                <a:effectLst/>
+              </a:rPr>
+              <a:t>Ollama</a:t>
+            </a:r>
+            <a:r>
+              <a:rPr lang="en-US" dirty="0">
+                <a:effectLst/>
+              </a:rPr>
+              <a:t>/</a:t>
+            </a:r>
+            <a:r>
+              <a:rPr lang="en-US" dirty="0" err="1">
+                <a:effectLst/>
+              </a:rPr>
+              <a:t>Ollama</a:t>
+            </a:r>
+            <a:r>
+              <a:rPr lang="en-US" dirty="0">
+                <a:effectLst/>
+              </a:rPr>
+              <a:t>.” </a:t>
+            </a:r>
+            <a:r>
+              <a:rPr lang="en-US" i="1" dirty="0">
+                <a:effectLst/>
+              </a:rPr>
+              <a:t>GitHub</a:t>
+            </a:r>
+            <a:r>
+              <a:rPr lang="en-US" dirty="0">
+                <a:effectLst/>
+              </a:rPr>
+              <a:t>, github.com/</a:t>
+            </a:r>
+            <a:r>
+              <a:rPr lang="en-US" dirty="0" err="1">
+                <a:effectLst/>
+              </a:rPr>
+              <a:t>ollama</a:t>
+            </a:r>
+            <a:r>
+              <a:rPr lang="en-US" dirty="0">
+                <a:effectLst/>
+              </a:rPr>
+              <a:t>/</a:t>
+            </a:r>
+            <a:r>
+              <a:rPr lang="en-US" dirty="0" err="1">
+                <a:effectLst/>
+              </a:rPr>
+              <a:t>ollama</a:t>
+            </a:r>
+            <a:r>
+              <a:rPr lang="en-US" dirty="0">
+                <a:effectLst/>
+              </a:rPr>
+              <a:t>/blob/main/docs/modelfile.md. Accessed 13 Apr. 2025. </a:t>
+            </a:r>
+          </a:p>
+        </p:txBody>
+      </p:sp>
+    </p:spTree>
+    <p:extLst>
+      <p:ext uri="{BB962C8B-B14F-4D97-AF65-F5344CB8AC3E}">
+        <p14:creationId xmlns:p14="http://schemas.microsoft.com/office/powerpoint/2010/main" val="1731399954"/>
       </p:ext>
     </p:extLst>
   </p:cSld>
@@ -4517,6 +5243,125 @@
   <p:cSld>
     <p:spTree>
       <p:nvGrpSpPr>
+        <p:cNvPr id="1" name="">
+          <a:extLst>
+            <a:ext uri="{FF2B5EF4-FFF2-40B4-BE49-F238E27FC236}">
+              <a16:creationId xmlns:a16="http://schemas.microsoft.com/office/drawing/2014/main" id="{8E98B62C-3693-5322-1935-BF5DFC9022B2}"/>
+            </a:ext>
+          </a:extLst>
+        </p:cNvPr>
+        <p:cNvGrpSpPr/>
+        <p:nvPr/>
+      </p:nvGrpSpPr>
+      <p:grpSpPr>
+        <a:xfrm>
+          <a:off x="0" y="0"/>
+          <a:ext cx="0" cy="0"/>
+          <a:chOff x="0" y="0"/>
+          <a:chExt cx="0" cy="0"/>
+        </a:xfrm>
+      </p:grpSpPr>
+      <p:sp>
+        <p:nvSpPr>
+          <p:cNvPr id="2" name="Title 1">
+            <a:extLst>
+              <a:ext uri="{FF2B5EF4-FFF2-40B4-BE49-F238E27FC236}">
+                <a16:creationId xmlns:a16="http://schemas.microsoft.com/office/drawing/2014/main" id="{B59DB71C-1BD7-E29C-9E3D-58B86EAB6787}"/>
+              </a:ext>
+            </a:extLst>
+          </p:cNvPr>
+          <p:cNvSpPr>
+            <a:spLocks noGrp="1"/>
+          </p:cNvSpPr>
+          <p:nvPr>
+            <p:ph type="title"/>
+          </p:nvPr>
+        </p:nvSpPr>
+        <p:spPr/>
+        <p:txBody>
+          <a:bodyPr/>
+          <a:lstStyle/>
+          <a:p>
+            <a:r>
+              <a:rPr lang="en-US" dirty="0"/>
+              <a:t>Models</a:t>
+            </a:r>
+          </a:p>
+        </p:txBody>
+      </p:sp>
+      <p:sp>
+        <p:nvSpPr>
+          <p:cNvPr id="3" name="Content Placeholder 2">
+            <a:extLst>
+              <a:ext uri="{FF2B5EF4-FFF2-40B4-BE49-F238E27FC236}">
+                <a16:creationId xmlns:a16="http://schemas.microsoft.com/office/drawing/2014/main" id="{028F5EB8-85D0-23F4-5ECF-6C976E1BDA49}"/>
+              </a:ext>
+            </a:extLst>
+          </p:cNvPr>
+          <p:cNvSpPr>
+            <a:spLocks noGrp="1"/>
+          </p:cNvSpPr>
+          <p:nvPr>
+            <p:ph idx="1"/>
+          </p:nvPr>
+        </p:nvSpPr>
+        <p:spPr/>
+        <p:txBody>
+          <a:bodyPr/>
+          <a:lstStyle/>
+          <a:p>
+            <a:r>
+              <a:rPr lang="en-US" dirty="0" err="1"/>
+              <a:t>DropAI</a:t>
+            </a:r>
+            <a:endParaRPr lang="en-US" dirty="0"/>
+          </a:p>
+          <a:p>
+            <a:pPr lvl="1"/>
+            <a:r>
+              <a:rPr lang="en-US" dirty="0"/>
+              <a:t>~3 GB</a:t>
+            </a:r>
+          </a:p>
+          <a:p>
+            <a:pPr lvl="1"/>
+            <a:r>
+              <a:rPr lang="en-US" dirty="0"/>
+              <a:t>My own custom LLM based off of Microsoft’s Orca2 model that has a custom system prompt in </a:t>
+            </a:r>
+            <a:r>
+              <a:rPr lang="en-US" dirty="0" err="1"/>
+              <a:t>Modelfile</a:t>
+            </a:r>
+            <a:endParaRPr lang="en-US" dirty="0"/>
+          </a:p>
+          <a:p>
+            <a:pPr lvl="2"/>
+            <a:r>
+              <a:rPr lang="en-US" dirty="0"/>
+              <a:t>Dictates how the LLM will function and respond to the given prompts it receives based off of its training from Microsoft’s Orca dataset</a:t>
+            </a:r>
+          </a:p>
+        </p:txBody>
+      </p:sp>
+    </p:spTree>
+    <p:extLst>
+      <p:ext uri="{BB962C8B-B14F-4D97-AF65-F5344CB8AC3E}">
+        <p14:creationId xmlns:p14="http://schemas.microsoft.com/office/powerpoint/2010/main" val="1923376311"/>
+      </p:ext>
+    </p:extLst>
+  </p:cSld>
+  <p:clrMapOvr>
+    <a:masterClrMapping/>
+  </p:clrMapOvr>
+</p:sld>
+</file>
+
+<file path=ppt/slides/slide4.xml><?xml version="1.0" encoding="utf-8"?>
+<p:sld xmlns:a="http://schemas.openxmlformats.org/drawingml/2006/main" xmlns:r="http://schemas.openxmlformats.org/officeDocument/2006/relationships" xmlns:p="http://schemas.openxmlformats.org/presentationml/2006/main">
+  <p:cSld>
+    <p:spTree>
+      <p:nvGrpSpPr>
         <p:cNvPr id="1" name=""/>
         <p:cNvGrpSpPr/>
         <p:nvPr/>
@@ -4641,7 +5486,7 @@
 </p:sld>
 </file>
 
-<file path=ppt/slides/slide4.xml><?xml version="1.0" encoding="utf-8"?>
+<file path=ppt/slides/slide5.xml><?xml version="1.0" encoding="utf-8"?>
 <p:sld xmlns:a="http://schemas.openxmlformats.org/drawingml/2006/main" xmlns:r="http://schemas.openxmlformats.org/officeDocument/2006/relationships" xmlns:p="http://schemas.openxmlformats.org/presentationml/2006/main">
   <p:cSld>
     <p:spTree>
@@ -4713,7 +5558,7 @@
 </p:sld>
 </file>
 
-<file path=ppt/slides/slide5.xml><?xml version="1.0" encoding="utf-8"?>
+<file path=ppt/slides/slide6.xml><?xml version="1.0" encoding="utf-8"?>
 <p:sld xmlns:a="http://schemas.openxmlformats.org/drawingml/2006/main" xmlns:r="http://schemas.openxmlformats.org/officeDocument/2006/relationships" xmlns:p="http://schemas.openxmlformats.org/presentationml/2006/main">
   <p:cSld>
     <p:spTree>
@@ -4842,7 +5687,7 @@
 </p:sld>
 </file>
 
-<file path=ppt/slides/slide6.xml><?xml version="1.0" encoding="utf-8"?>
+<file path=ppt/slides/slide7.xml><?xml version="1.0" encoding="utf-8"?>
 <p:sld xmlns:a="http://schemas.openxmlformats.org/drawingml/2006/main" xmlns:r="http://schemas.openxmlformats.org/officeDocument/2006/relationships" xmlns:p="http://schemas.openxmlformats.org/presentationml/2006/main">
   <p:cSld>
     <p:spTree>
@@ -4965,7 +5810,7 @@
 </p:sld>
 </file>
 
-<file path=ppt/slides/slide7.xml><?xml version="1.0" encoding="utf-8"?>
+<file path=ppt/slides/slide8.xml><?xml version="1.0" encoding="utf-8"?>
 <p:sld xmlns:a="http://schemas.openxmlformats.org/drawingml/2006/main" xmlns:r="http://schemas.openxmlformats.org/officeDocument/2006/relationships" xmlns:p="http://schemas.openxmlformats.org/presentationml/2006/main">
   <p:cSld>
     <p:bg>
@@ -5195,7 +6040,7 @@
 </p:sld>
 </file>
 
-<file path=ppt/slides/slide8.xml><?xml version="1.0" encoding="utf-8"?>
+<file path=ppt/slides/slide9.xml><?xml version="1.0" encoding="utf-8"?>
 <p:sld xmlns:a="http://schemas.openxmlformats.org/drawingml/2006/main" xmlns:r="http://schemas.openxmlformats.org/officeDocument/2006/relationships" xmlns:p="http://schemas.openxmlformats.org/presentationml/2006/main">
   <p:cSld>
     <p:spTree>
@@ -5324,133 +6169,6 @@
     <p:extLst>
       <p:ext uri="{BB962C8B-B14F-4D97-AF65-F5344CB8AC3E}">
         <p14:creationId xmlns:p14="http://schemas.microsoft.com/office/powerpoint/2010/main" val="41844669"/>
-      </p:ext>
-    </p:extLst>
-  </p:cSld>
-  <p:clrMapOvr>
-    <a:masterClrMapping/>
-  </p:clrMapOvr>
-</p:sld>
-</file>
-
-<file path=ppt/slides/slide9.xml><?xml version="1.0" encoding="utf-8"?>
-<p:sld xmlns:a="http://schemas.openxmlformats.org/drawingml/2006/main" xmlns:r="http://schemas.openxmlformats.org/officeDocument/2006/relationships" xmlns:p="http://schemas.openxmlformats.org/presentationml/2006/main">
-  <p:cSld>
-    <p:spTree>
-      <p:nvGrpSpPr>
-        <p:cNvPr id="1" name=""/>
-        <p:cNvGrpSpPr/>
-        <p:nvPr/>
-      </p:nvGrpSpPr>
-      <p:grpSpPr>
-        <a:xfrm>
-          <a:off x="0" y="0"/>
-          <a:ext cx="0" cy="0"/>
-          <a:chOff x="0" y="0"/>
-          <a:chExt cx="0" cy="0"/>
-        </a:xfrm>
-      </p:grpSpPr>
-      <p:sp>
-        <p:nvSpPr>
-          <p:cNvPr id="2" name="Title 1">
-            <a:extLst>
-              <a:ext uri="{FF2B5EF4-FFF2-40B4-BE49-F238E27FC236}">
-                <a16:creationId xmlns:a16="http://schemas.microsoft.com/office/drawing/2014/main" id="{1C152AAB-2299-6719-5B3E-47041CE0ACB7}"/>
-              </a:ext>
-            </a:extLst>
-          </p:cNvPr>
-          <p:cNvSpPr>
-            <a:spLocks noGrp="1"/>
-          </p:cNvSpPr>
-          <p:nvPr>
-            <p:ph type="title"/>
-          </p:nvPr>
-        </p:nvSpPr>
-        <p:spPr/>
-        <p:txBody>
-          <a:bodyPr/>
-          <a:lstStyle/>
-          <a:p>
-            <a:r>
-              <a:rPr lang="en-US" dirty="0"/>
-              <a:t>Reader-</a:t>
-            </a:r>
-            <a:r>
-              <a:rPr lang="en-US" dirty="0" err="1"/>
-              <a:t>lm</a:t>
-            </a:r>
-            <a:r>
-              <a:rPr lang="en-US" dirty="0"/>
-              <a:t> Results</a:t>
-            </a:r>
-          </a:p>
-        </p:txBody>
-      </p:sp>
-      <p:sp>
-        <p:nvSpPr>
-          <p:cNvPr id="3" name="Content Placeholder 2">
-            <a:extLst>
-              <a:ext uri="{FF2B5EF4-FFF2-40B4-BE49-F238E27FC236}">
-                <a16:creationId xmlns:a16="http://schemas.microsoft.com/office/drawing/2014/main" id="{A1DF3232-7C8E-C636-B824-2F91283AA183}"/>
-              </a:ext>
-            </a:extLst>
-          </p:cNvPr>
-          <p:cNvSpPr>
-            <a:spLocks noGrp="1"/>
-          </p:cNvSpPr>
-          <p:nvPr>
-            <p:ph idx="1"/>
-          </p:nvPr>
-        </p:nvSpPr>
-        <p:spPr/>
-        <p:txBody>
-          <a:bodyPr/>
-          <a:lstStyle/>
-          <a:p>
-            <a:r>
-              <a:rPr lang="en-US" dirty="0"/>
-              <a:t>Time</a:t>
-            </a:r>
-          </a:p>
-          <a:p>
-            <a:pPr lvl="1"/>
-            <a:r>
-              <a:rPr lang="en-US" dirty="0"/>
-              <a:t>~2-7 seconds</a:t>
-            </a:r>
-          </a:p>
-          <a:p>
-            <a:r>
-              <a:rPr lang="en-US" dirty="0"/>
-              <a:t>Avg CPU Usage</a:t>
-            </a:r>
-          </a:p>
-          <a:p>
-            <a:pPr lvl="1"/>
-            <a:r>
-              <a:rPr lang="en-US" dirty="0"/>
-              <a:t>~11-16%</a:t>
-            </a:r>
-          </a:p>
-          <a:p>
-            <a:r>
-              <a:rPr lang="en-US" dirty="0"/>
-              <a:t>Avg Memory Usage</a:t>
-            </a:r>
-          </a:p>
-          <a:p>
-            <a:pPr lvl="1"/>
-            <a:r>
-              <a:rPr lang="en-US" dirty="0"/>
-              <a:t>~50%</a:t>
-            </a:r>
-          </a:p>
-        </p:txBody>
-      </p:sp>
-    </p:spTree>
-    <p:extLst>
-      <p:ext uri="{BB962C8B-B14F-4D97-AF65-F5344CB8AC3E}">
-        <p14:creationId xmlns:p14="http://schemas.microsoft.com/office/powerpoint/2010/main" val="2693142678"/>
       </p:ext>
     </p:extLst>
   </p:cSld>
